--- a/materials/maze_solver.pptx
+++ b/materials/maze_solver.pptx
@@ -205,7 +205,7 @@
           <a:p>
             <a:fld id="{8479E17B-5098-4DC9-8205-5BB3DBFE9207}" type="datetimeFigureOut">
               <a:rPr lang="en-SG" smtClean="0"/>
-              <a:t>12/5/2024</a:t>
+              <a:t>13/5/2024</a:t>
             </a:fld>
             <a:endParaRPr lang="en-SG"/>
           </a:p>
@@ -790,7 +790,7 @@
           <a:p>
             <a:fld id="{DF64EB9B-CEFA-4AFA-92D2-06492D8F129F}" type="datetimeFigureOut">
               <a:rPr lang="en-SG" smtClean="0"/>
-              <a:t>12/5/2024</a:t>
+              <a:t>13/5/2024</a:t>
             </a:fld>
             <a:endParaRPr lang="en-SG"/>
           </a:p>
@@ -990,7 +990,7 @@
           <a:p>
             <a:fld id="{DF64EB9B-CEFA-4AFA-92D2-06492D8F129F}" type="datetimeFigureOut">
               <a:rPr lang="en-SG" smtClean="0"/>
-              <a:t>12/5/2024</a:t>
+              <a:t>13/5/2024</a:t>
             </a:fld>
             <a:endParaRPr lang="en-SG"/>
           </a:p>
@@ -1200,7 +1200,7 @@
           <a:p>
             <a:fld id="{DF64EB9B-CEFA-4AFA-92D2-06492D8F129F}" type="datetimeFigureOut">
               <a:rPr lang="en-SG" smtClean="0"/>
-              <a:t>12/5/2024</a:t>
+              <a:t>13/5/2024</a:t>
             </a:fld>
             <a:endParaRPr lang="en-SG"/>
           </a:p>
@@ -1400,7 +1400,7 @@
           <a:p>
             <a:fld id="{DF64EB9B-CEFA-4AFA-92D2-06492D8F129F}" type="datetimeFigureOut">
               <a:rPr lang="en-SG" smtClean="0"/>
-              <a:t>12/5/2024</a:t>
+              <a:t>13/5/2024</a:t>
             </a:fld>
             <a:endParaRPr lang="en-SG"/>
           </a:p>
@@ -1676,7 +1676,7 @@
           <a:p>
             <a:fld id="{DF64EB9B-CEFA-4AFA-92D2-06492D8F129F}" type="datetimeFigureOut">
               <a:rPr lang="en-SG" smtClean="0"/>
-              <a:t>12/5/2024</a:t>
+              <a:t>13/5/2024</a:t>
             </a:fld>
             <a:endParaRPr lang="en-SG"/>
           </a:p>
@@ -1944,7 +1944,7 @@
           <a:p>
             <a:fld id="{DF64EB9B-CEFA-4AFA-92D2-06492D8F129F}" type="datetimeFigureOut">
               <a:rPr lang="en-SG" smtClean="0"/>
-              <a:t>12/5/2024</a:t>
+              <a:t>13/5/2024</a:t>
             </a:fld>
             <a:endParaRPr lang="en-SG"/>
           </a:p>
@@ -2359,7 +2359,7 @@
           <a:p>
             <a:fld id="{DF64EB9B-CEFA-4AFA-92D2-06492D8F129F}" type="datetimeFigureOut">
               <a:rPr lang="en-SG" smtClean="0"/>
-              <a:t>12/5/2024</a:t>
+              <a:t>13/5/2024</a:t>
             </a:fld>
             <a:endParaRPr lang="en-SG"/>
           </a:p>
@@ -2501,7 +2501,7 @@
           <a:p>
             <a:fld id="{DF64EB9B-CEFA-4AFA-92D2-06492D8F129F}" type="datetimeFigureOut">
               <a:rPr lang="en-SG" smtClean="0"/>
-              <a:t>12/5/2024</a:t>
+              <a:t>13/5/2024</a:t>
             </a:fld>
             <a:endParaRPr lang="en-SG"/>
           </a:p>
@@ -2614,7 +2614,7 @@
           <a:p>
             <a:fld id="{DF64EB9B-CEFA-4AFA-92D2-06492D8F129F}" type="datetimeFigureOut">
               <a:rPr lang="en-SG" smtClean="0"/>
-              <a:t>12/5/2024</a:t>
+              <a:t>13/5/2024</a:t>
             </a:fld>
             <a:endParaRPr lang="en-SG"/>
           </a:p>
@@ -2927,7 +2927,7 @@
           <a:p>
             <a:fld id="{DF64EB9B-CEFA-4AFA-92D2-06492D8F129F}" type="datetimeFigureOut">
               <a:rPr lang="en-SG" smtClean="0"/>
-              <a:t>12/5/2024</a:t>
+              <a:t>13/5/2024</a:t>
             </a:fld>
             <a:endParaRPr lang="en-SG"/>
           </a:p>
@@ -3216,7 +3216,7 @@
           <a:p>
             <a:fld id="{DF64EB9B-CEFA-4AFA-92D2-06492D8F129F}" type="datetimeFigureOut">
               <a:rPr lang="en-SG" smtClean="0"/>
-              <a:t>12/5/2024</a:t>
+              <a:t>13/5/2024</a:t>
             </a:fld>
             <a:endParaRPr lang="en-SG"/>
           </a:p>
@@ -3459,7 +3459,7 @@
           <a:p>
             <a:fld id="{DF64EB9B-CEFA-4AFA-92D2-06492D8F129F}" type="datetimeFigureOut">
               <a:rPr lang="en-SG" smtClean="0"/>
-              <a:t>12/5/2024</a:t>
+              <a:t>13/5/2024</a:t>
             </a:fld>
             <a:endParaRPr lang="en-SG"/>
           </a:p>
@@ -4247,7 +4247,7 @@
           <a:p>
             <a:r>
               <a:rPr lang="en-US" dirty="0"/>
-              <a:t>Training Results – Train Maze 1</a:t>
+              <a:t>Training Performance – Train Maze 1</a:t>
             </a:r>
             <a:endParaRPr lang="en-SG" dirty="0"/>
           </a:p>
@@ -4498,7 +4498,7 @@
           <a:p>
             <a:r>
               <a:rPr lang="en-US" dirty="0"/>
-              <a:t>Training Results – Train Maze 2</a:t>
+              <a:t>Training Performance – Train Maze 2</a:t>
             </a:r>
             <a:endParaRPr lang="en-SG" dirty="0"/>
           </a:p>
@@ -4903,8 +4903,8 @@
           <a:lstStyle/>
           <a:p>
             <a:r>
-              <a:rPr lang="en-US" dirty="0"/>
-              <a:t>Test Results</a:t>
+              <a:rPr lang="en-US"/>
+              <a:t>Test Performance</a:t>
             </a:r>
             <a:endParaRPr lang="en-SG" dirty="0"/>
           </a:p>
